--- a/docs/diagrams/ModelComponentClassDiagram.pptx
+++ b/docs/diagrams/ModelComponentClassDiagram.pptx
@@ -208,7 +208,7 @@
           <a:p>
             <a:fld id="{F5CC4B3F-88C1-4FFA-B1B6-F41C21DC6924}" type="datetimeFigureOut">
               <a:rPr lang="en-US" smtClean="0"/>
-              <a:t>12/5/2018</a:t>
+              <a:t>4/5/19</a:t>
             </a:fld>
             <a:endParaRPr lang="en-US"/>
           </a:p>
@@ -654,7 +654,7 @@
           <a:p>
             <a:fld id="{78C97017-6FC3-485B-9764-EAC9E56C1D49}" type="datetimeFigureOut">
               <a:rPr lang="en-US" smtClean="0"/>
-              <a:t>12/5/2018</a:t>
+              <a:t>4/5/19</a:t>
             </a:fld>
             <a:endParaRPr lang="en-US"/>
           </a:p>
@@ -822,7 +822,7 @@
           <a:p>
             <a:fld id="{78C97017-6FC3-485B-9764-EAC9E56C1D49}" type="datetimeFigureOut">
               <a:rPr lang="en-US" smtClean="0"/>
-              <a:t>12/5/2018</a:t>
+              <a:t>4/5/19</a:t>
             </a:fld>
             <a:endParaRPr lang="en-US"/>
           </a:p>
@@ -1000,7 +1000,7 @@
           <a:p>
             <a:fld id="{78C97017-6FC3-485B-9764-EAC9E56C1D49}" type="datetimeFigureOut">
               <a:rPr lang="en-US" smtClean="0"/>
-              <a:t>12/5/2018</a:t>
+              <a:t>4/5/19</a:t>
             </a:fld>
             <a:endParaRPr lang="en-US"/>
           </a:p>
@@ -1168,7 +1168,7 @@
           <a:p>
             <a:fld id="{78C97017-6FC3-485B-9764-EAC9E56C1D49}" type="datetimeFigureOut">
               <a:rPr lang="en-US" smtClean="0"/>
-              <a:t>12/5/2018</a:t>
+              <a:t>4/5/19</a:t>
             </a:fld>
             <a:endParaRPr lang="en-US"/>
           </a:p>
@@ -1413,7 +1413,7 @@
           <a:p>
             <a:fld id="{78C97017-6FC3-485B-9764-EAC9E56C1D49}" type="datetimeFigureOut">
               <a:rPr lang="en-US" smtClean="0"/>
-              <a:t>12/5/2018</a:t>
+              <a:t>4/5/19</a:t>
             </a:fld>
             <a:endParaRPr lang="en-US"/>
           </a:p>
@@ -1698,7 +1698,7 @@
           <a:p>
             <a:fld id="{78C97017-6FC3-485B-9764-EAC9E56C1D49}" type="datetimeFigureOut">
               <a:rPr lang="en-US" smtClean="0"/>
-              <a:t>12/5/2018</a:t>
+              <a:t>4/5/19</a:t>
             </a:fld>
             <a:endParaRPr lang="en-US"/>
           </a:p>
@@ -2117,7 +2117,7 @@
           <a:p>
             <a:fld id="{78C97017-6FC3-485B-9764-EAC9E56C1D49}" type="datetimeFigureOut">
               <a:rPr lang="en-US" smtClean="0"/>
-              <a:t>12/5/2018</a:t>
+              <a:t>4/5/19</a:t>
             </a:fld>
             <a:endParaRPr lang="en-US"/>
           </a:p>
@@ -2234,7 +2234,7 @@
           <a:p>
             <a:fld id="{78C97017-6FC3-485B-9764-EAC9E56C1D49}" type="datetimeFigureOut">
               <a:rPr lang="en-US" smtClean="0"/>
-              <a:t>12/5/2018</a:t>
+              <a:t>4/5/19</a:t>
             </a:fld>
             <a:endParaRPr lang="en-US"/>
           </a:p>
@@ -2329,7 +2329,7 @@
           <a:p>
             <a:fld id="{78C97017-6FC3-485B-9764-EAC9E56C1D49}" type="datetimeFigureOut">
               <a:rPr lang="en-US" smtClean="0"/>
-              <a:t>12/5/2018</a:t>
+              <a:t>4/5/19</a:t>
             </a:fld>
             <a:endParaRPr lang="en-US"/>
           </a:p>
@@ -2604,7 +2604,7 @@
           <a:p>
             <a:fld id="{78C97017-6FC3-485B-9764-EAC9E56C1D49}" type="datetimeFigureOut">
               <a:rPr lang="en-US" smtClean="0"/>
-              <a:t>12/5/2018</a:t>
+              <a:t>4/5/19</a:t>
             </a:fld>
             <a:endParaRPr lang="en-US"/>
           </a:p>
@@ -2856,7 +2856,7 @@
           <a:p>
             <a:fld id="{78C97017-6FC3-485B-9764-EAC9E56C1D49}" type="datetimeFigureOut">
               <a:rPr lang="en-US" smtClean="0"/>
-              <a:t>12/5/2018</a:t>
+              <a:t>4/5/19</a:t>
             </a:fld>
             <a:endParaRPr lang="en-US"/>
           </a:p>
@@ -3067,7 +3067,7 @@
           <a:p>
             <a:fld id="{78C97017-6FC3-485B-9764-EAC9E56C1D49}" type="datetimeFigureOut">
               <a:rPr lang="en-US" smtClean="0"/>
-              <a:t>12/5/2018</a:t>
+              <a:t>4/5/19</a:t>
             </a:fld>
             <a:endParaRPr lang="en-US"/>
           </a:p>
@@ -5820,6 +5820,111 @@
           </a:fontRef>
         </p:style>
       </p:cxnSp>
+      <p:cxnSp>
+        <p:nvCxnSpPr>
+          <p:cNvPr id="56" name="Elbow Connector 55">
+            <a:extLst>
+              <a:ext uri="{FF2B5EF4-FFF2-40B4-BE49-F238E27FC236}">
+                <a16:creationId xmlns:a16="http://schemas.microsoft.com/office/drawing/2014/main" id="{94A6A529-05B3-6545-852B-4B49756DCFC9}"/>
+              </a:ext>
+            </a:extLst>
+          </p:cNvPr>
+          <p:cNvCxnSpPr>
+            <a:cxnSpLocks/>
+          </p:cNvCxnSpPr>
+          <p:nvPr/>
+        </p:nvCxnSpPr>
+        <p:spPr>
+          <a:xfrm>
+            <a:off x="7491473" y="3679023"/>
+            <a:ext cx="232075" cy="347472"/>
+          </a:xfrm>
+          <a:prstGeom prst="bentConnector3">
+            <a:avLst>
+              <a:gd name="adj1" fmla="val 1850"/>
+            </a:avLst>
+          </a:prstGeom>
+          <a:ln w="19050">
+            <a:solidFill>
+              <a:srgbClr val="7030A0"/>
+            </a:solidFill>
+            <a:headEnd type="none" w="med" len="med"/>
+            <a:tailEnd type="arrow" w="med" len="med"/>
+          </a:ln>
+          <a:effectLst/>
+        </p:spPr>
+        <p:style>
+          <a:lnRef idx="1">
+            <a:schemeClr val="accent2"/>
+          </a:lnRef>
+          <a:fillRef idx="2">
+            <a:schemeClr val="accent2"/>
+          </a:fillRef>
+          <a:effectRef idx="1">
+            <a:schemeClr val="accent2"/>
+          </a:effectRef>
+          <a:fontRef idx="minor">
+            <a:schemeClr val="dk1"/>
+          </a:fontRef>
+        </p:style>
+      </p:cxnSp>
+      <p:sp>
+        <p:nvSpPr>
+          <p:cNvPr id="72" name="Rectangle 8">
+            <a:extLst>
+              <a:ext uri="{FF2B5EF4-FFF2-40B4-BE49-F238E27FC236}">
+                <a16:creationId xmlns:a16="http://schemas.microsoft.com/office/drawing/2014/main" id="{03FF09EC-386B-1647-890F-3A7E1DE0D088}"/>
+              </a:ext>
+            </a:extLst>
+          </p:cNvPr>
+          <p:cNvSpPr/>
+          <p:nvPr/>
+        </p:nvSpPr>
+        <p:spPr>
+          <a:xfrm>
+            <a:off x="7712397" y="3871836"/>
+            <a:ext cx="708186" cy="285783"/>
+          </a:xfrm>
+          <a:prstGeom prst="rect">
+            <a:avLst/>
+          </a:prstGeom>
+          <a:ln w="19050">
+            <a:solidFill>
+              <a:srgbClr val="7030A0"/>
+            </a:solidFill>
+          </a:ln>
+          <a:effectLst/>
+        </p:spPr>
+        <p:style>
+          <a:lnRef idx="1">
+            <a:schemeClr val="accent4"/>
+          </a:lnRef>
+          <a:fillRef idx="2">
+            <a:schemeClr val="accent4"/>
+          </a:fillRef>
+          <a:effectRef idx="1">
+            <a:schemeClr val="accent4"/>
+          </a:effectRef>
+          <a:fontRef idx="minor">
+            <a:schemeClr val="dk1"/>
+          </a:fontRef>
+        </p:style>
+        <p:txBody>
+          <a:bodyPr rtlCol="0" anchor="ctr"/>
+          <a:lstStyle/>
+          <a:p>
+            <a:pPr algn="ctr"/>
+            <a:r>
+              <a:rPr lang="en-SG" sz="1050" dirty="0">
+                <a:solidFill>
+                  <a:srgbClr val="7030A0"/>
+                </a:solidFill>
+              </a:rPr>
+              <a:t>Photo</a:t>
+            </a:r>
+          </a:p>
+        </p:txBody>
+      </p:sp>
     </p:spTree>
     <p:extLst>
       <p:ext uri="{BB962C8B-B14F-4D97-AF65-F5344CB8AC3E}">

--- a/docs/diagrams/ModelComponentClassDiagram.pptx
+++ b/docs/diagrams/ModelComponentClassDiagram.pptx
@@ -208,7 +208,7 @@
           <a:p>
             <a:fld id="{F5CC4B3F-88C1-4FFA-B1B6-F41C21DC6924}" type="datetimeFigureOut">
               <a:rPr lang="en-US" smtClean="0"/>
-              <a:t>4/5/19</a:t>
+              <a:t>4/10/19</a:t>
             </a:fld>
             <a:endParaRPr lang="en-US"/>
           </a:p>
@@ -654,7 +654,7 @@
           <a:p>
             <a:fld id="{78C97017-6FC3-485B-9764-EAC9E56C1D49}" type="datetimeFigureOut">
               <a:rPr lang="en-US" smtClean="0"/>
-              <a:t>4/5/19</a:t>
+              <a:t>4/10/19</a:t>
             </a:fld>
             <a:endParaRPr lang="en-US"/>
           </a:p>
@@ -822,7 +822,7 @@
           <a:p>
             <a:fld id="{78C97017-6FC3-485B-9764-EAC9E56C1D49}" type="datetimeFigureOut">
               <a:rPr lang="en-US" smtClean="0"/>
-              <a:t>4/5/19</a:t>
+              <a:t>4/10/19</a:t>
             </a:fld>
             <a:endParaRPr lang="en-US"/>
           </a:p>
@@ -1000,7 +1000,7 @@
           <a:p>
             <a:fld id="{78C97017-6FC3-485B-9764-EAC9E56C1D49}" type="datetimeFigureOut">
               <a:rPr lang="en-US" smtClean="0"/>
-              <a:t>4/5/19</a:t>
+              <a:t>4/10/19</a:t>
             </a:fld>
             <a:endParaRPr lang="en-US"/>
           </a:p>
@@ -1168,7 +1168,7 @@
           <a:p>
             <a:fld id="{78C97017-6FC3-485B-9764-EAC9E56C1D49}" type="datetimeFigureOut">
               <a:rPr lang="en-US" smtClean="0"/>
-              <a:t>4/5/19</a:t>
+              <a:t>4/10/19</a:t>
             </a:fld>
             <a:endParaRPr lang="en-US"/>
           </a:p>
@@ -1413,7 +1413,7 @@
           <a:p>
             <a:fld id="{78C97017-6FC3-485B-9764-EAC9E56C1D49}" type="datetimeFigureOut">
               <a:rPr lang="en-US" smtClean="0"/>
-              <a:t>4/5/19</a:t>
+              <a:t>4/10/19</a:t>
             </a:fld>
             <a:endParaRPr lang="en-US"/>
           </a:p>
@@ -1698,7 +1698,7 @@
           <a:p>
             <a:fld id="{78C97017-6FC3-485B-9764-EAC9E56C1D49}" type="datetimeFigureOut">
               <a:rPr lang="en-US" smtClean="0"/>
-              <a:t>4/5/19</a:t>
+              <a:t>4/10/19</a:t>
             </a:fld>
             <a:endParaRPr lang="en-US"/>
           </a:p>
@@ -2117,7 +2117,7 @@
           <a:p>
             <a:fld id="{78C97017-6FC3-485B-9764-EAC9E56C1D49}" type="datetimeFigureOut">
               <a:rPr lang="en-US" smtClean="0"/>
-              <a:t>4/5/19</a:t>
+              <a:t>4/10/19</a:t>
             </a:fld>
             <a:endParaRPr lang="en-US"/>
           </a:p>
@@ -2234,7 +2234,7 @@
           <a:p>
             <a:fld id="{78C97017-6FC3-485B-9764-EAC9E56C1D49}" type="datetimeFigureOut">
               <a:rPr lang="en-US" smtClean="0"/>
-              <a:t>4/5/19</a:t>
+              <a:t>4/10/19</a:t>
             </a:fld>
             <a:endParaRPr lang="en-US"/>
           </a:p>
@@ -2329,7 +2329,7 @@
           <a:p>
             <a:fld id="{78C97017-6FC3-485B-9764-EAC9E56C1D49}" type="datetimeFigureOut">
               <a:rPr lang="en-US" smtClean="0"/>
-              <a:t>4/5/19</a:t>
+              <a:t>4/10/19</a:t>
             </a:fld>
             <a:endParaRPr lang="en-US"/>
           </a:p>
@@ -2604,7 +2604,7 @@
           <a:p>
             <a:fld id="{78C97017-6FC3-485B-9764-EAC9E56C1D49}" type="datetimeFigureOut">
               <a:rPr lang="en-US" smtClean="0"/>
-              <a:t>4/5/19</a:t>
+              <a:t>4/10/19</a:t>
             </a:fld>
             <a:endParaRPr lang="en-US"/>
           </a:p>
@@ -2856,7 +2856,7 @@
           <a:p>
             <a:fld id="{78C97017-6FC3-485B-9764-EAC9E56C1D49}" type="datetimeFigureOut">
               <a:rPr lang="en-US" smtClean="0"/>
-              <a:t>4/5/19</a:t>
+              <a:t>4/10/19</a:t>
             </a:fld>
             <a:endParaRPr lang="en-US"/>
           </a:p>
@@ -3067,7 +3067,7 @@
           <a:p>
             <a:fld id="{78C97017-6FC3-485B-9764-EAC9E56C1D49}" type="datetimeFigureOut">
               <a:rPr lang="en-US" smtClean="0"/>
-              <a:t>4/5/19</a:t>
+              <a:t>4/10/19</a:t>
             </a:fld>
             <a:endParaRPr lang="en-US"/>
           </a:p>
@@ -3450,8 +3450,8 @@
         </p:nvSpPr>
         <p:spPr>
           <a:xfrm>
-            <a:off x="1119865" y="1600200"/>
-            <a:ext cx="7490735" cy="3124200"/>
+            <a:off x="685800" y="152400"/>
+            <a:ext cx="8091621" cy="4660559"/>
           </a:xfrm>
           <a:prstGeom prst="roundRect">
             <a:avLst>
@@ -5028,6 +5028,14 @@
               </a:rPr>
               <a:t>&lt;&lt;interface&gt;&gt;</a:t>
             </a:r>
+            <a:r>
+              <a:rPr lang="en-US" sz="1050">
+                <a:solidFill>
+                  <a:srgbClr val="7030A0"/>
+                </a:solidFill>
+              </a:rPr>
+              <a:t/>
+            </a:r>
             <a:br>
               <a:rPr lang="en-US" sz="1050">
                 <a:solidFill>
@@ -5293,7 +5301,7 @@
           <p:cNvPr id="52" name="Rectangle 8">
             <a:extLst>
               <a:ext uri="{FF2B5EF4-FFF2-40B4-BE49-F238E27FC236}">
-                <a16:creationId xmlns:a16="http://schemas.microsoft.com/office/drawing/2014/main" id="{ABDCDBD2-131A-4B66-A2F2-43BBEE82C773}"/>
+                <a16:creationId xmlns:a16="http://schemas.microsoft.com/office/drawing/2014/main" xmlns="" id="{ABDCDBD2-131A-4B66-A2F2-43BBEE82C773}"/>
               </a:ext>
             </a:extLst>
           </p:cNvPr>
@@ -5355,7 +5363,7 @@
           <p:cNvPr id="53" name="Elbow Connector 78">
             <a:extLst>
               <a:ext uri="{FF2B5EF4-FFF2-40B4-BE49-F238E27FC236}">
-                <a16:creationId xmlns:a16="http://schemas.microsoft.com/office/drawing/2014/main" id="{B97967F8-618A-448B-81FD-CDFD4AF0EC64}"/>
+                <a16:creationId xmlns:a16="http://schemas.microsoft.com/office/drawing/2014/main" xmlns="" id="{B97967F8-618A-448B-81FD-CDFD4AF0EC64}"/>
               </a:ext>
             </a:extLst>
           </p:cNvPr>
@@ -5405,7 +5413,7 @@
           <p:cNvPr id="50" name="TextBox 49">
             <a:extLst>
               <a:ext uri="{FF2B5EF4-FFF2-40B4-BE49-F238E27FC236}">
-                <a16:creationId xmlns:a16="http://schemas.microsoft.com/office/drawing/2014/main" id="{B3FA9D57-880F-49C4-AD0B-A64E30D6F403}"/>
+                <a16:creationId xmlns:a16="http://schemas.microsoft.com/office/drawing/2014/main" xmlns="" id="{B3FA9D57-880F-49C4-AD0B-A64E30D6F403}"/>
               </a:ext>
             </a:extLst>
           </p:cNvPr>
@@ -5643,7 +5651,7 @@
           <p:cNvPr id="57" name="Rectangle 8">
             <a:extLst>
               <a:ext uri="{FF2B5EF4-FFF2-40B4-BE49-F238E27FC236}">
-                <a16:creationId xmlns:a16="http://schemas.microsoft.com/office/drawing/2014/main" id="{6A42DA50-9012-4391-9EF3-285E4FA3FCD8}"/>
+                <a16:creationId xmlns:a16="http://schemas.microsoft.com/office/drawing/2014/main" xmlns="" id="{6A42DA50-9012-4391-9EF3-285E4FA3FCD8}"/>
               </a:ext>
             </a:extLst>
           </p:cNvPr>
@@ -5716,7 +5724,7 @@
           <p:cNvPr id="59" name="Isosceles Triangle 102">
             <a:extLst>
               <a:ext uri="{FF2B5EF4-FFF2-40B4-BE49-F238E27FC236}">
-                <a16:creationId xmlns:a16="http://schemas.microsoft.com/office/drawing/2014/main" id="{B263B2D7-6E76-465E-B40E-7E2A46254A84}"/>
+                <a16:creationId xmlns:a16="http://schemas.microsoft.com/office/drawing/2014/main" xmlns="" id="{B263B2D7-6E76-465E-B40E-7E2A46254A84}"/>
               </a:ext>
             </a:extLst>
           </p:cNvPr>
@@ -5774,7 +5782,7 @@
           <p:cNvPr id="67" name="Elbow Connector 63">
             <a:extLst>
               <a:ext uri="{FF2B5EF4-FFF2-40B4-BE49-F238E27FC236}">
-                <a16:creationId xmlns:a16="http://schemas.microsoft.com/office/drawing/2014/main" id="{BA3A25CD-7C1D-4B3B-B294-1B05ABCFECFD}"/>
+                <a16:creationId xmlns:a16="http://schemas.microsoft.com/office/drawing/2014/main" xmlns="" id="{BA3A25CD-7C1D-4B3B-B294-1B05ABCFECFD}"/>
               </a:ext>
             </a:extLst>
           </p:cNvPr>
@@ -5825,7 +5833,7 @@
           <p:cNvPr id="56" name="Elbow Connector 55">
             <a:extLst>
               <a:ext uri="{FF2B5EF4-FFF2-40B4-BE49-F238E27FC236}">
-                <a16:creationId xmlns:a16="http://schemas.microsoft.com/office/drawing/2014/main" id="{94A6A529-05B3-6545-852B-4B49756DCFC9}"/>
+                <a16:creationId xmlns:a16="http://schemas.microsoft.com/office/drawing/2014/main" xmlns="" id="{94A6A529-05B3-6545-852B-4B49756DCFC9}"/>
               </a:ext>
             </a:extLst>
           </p:cNvPr>
@@ -5873,7 +5881,7 @@
           <p:cNvPr id="72" name="Rectangle 8">
             <a:extLst>
               <a:ext uri="{FF2B5EF4-FFF2-40B4-BE49-F238E27FC236}">
-                <a16:creationId xmlns:a16="http://schemas.microsoft.com/office/drawing/2014/main" id="{03FF09EC-386B-1647-890F-3A7E1DE0D088}"/>
+                <a16:creationId xmlns:a16="http://schemas.microsoft.com/office/drawing/2014/main" xmlns="" id="{03FF09EC-386B-1647-890F-3A7E1DE0D088}"/>
               </a:ext>
             </a:extLst>
           </p:cNvPr>
@@ -5922,6 +5930,1191 @@
               </a:rPr>
               <a:t>Photo</a:t>
             </a:r>
+          </a:p>
+        </p:txBody>
+      </p:sp>
+      <p:sp>
+        <p:nvSpPr>
+          <p:cNvPr id="74" name="Rectangle 8"/>
+          <p:cNvSpPr/>
+          <p:nvPr/>
+        </p:nvSpPr>
+        <p:spPr>
+          <a:xfrm>
+            <a:off x="4639879" y="861334"/>
+            <a:ext cx="1156969" cy="346760"/>
+          </a:xfrm>
+          <a:prstGeom prst="rect">
+            <a:avLst/>
+          </a:prstGeom>
+          <a:ln w="19050">
+            <a:solidFill>
+              <a:srgbClr val="7030A0"/>
+            </a:solidFill>
+          </a:ln>
+          <a:effectLst/>
+        </p:spPr>
+        <p:style>
+          <a:lnRef idx="1">
+            <a:schemeClr val="accent4"/>
+          </a:lnRef>
+          <a:fillRef idx="2">
+            <a:schemeClr val="accent4"/>
+          </a:fillRef>
+          <a:effectRef idx="1">
+            <a:schemeClr val="accent4"/>
+          </a:effectRef>
+          <a:fontRef idx="minor">
+            <a:schemeClr val="dk1"/>
+          </a:fontRef>
+        </p:style>
+        <p:txBody>
+          <a:bodyPr rtlCol="0" anchor="ctr"/>
+          <a:lstStyle/>
+          <a:p>
+            <a:pPr algn="ctr"/>
+            <a:r>
+              <a:rPr lang="en-US" sz="1050" dirty="0" err="1" smtClean="0">
+                <a:solidFill>
+                  <a:srgbClr val="7030A0"/>
+                </a:solidFill>
+              </a:rPr>
+              <a:t>UniqueEventList</a:t>
+            </a:r>
+            <a:endParaRPr lang="en-SG" sz="1050" dirty="0">
+              <a:solidFill>
+                <a:srgbClr val="7030A0"/>
+              </a:solidFill>
+            </a:endParaRPr>
+          </a:p>
+        </p:txBody>
+      </p:sp>
+      <p:sp>
+        <p:nvSpPr>
+          <p:cNvPr id="77" name="Rectangle 8"/>
+          <p:cNvSpPr/>
+          <p:nvPr/>
+        </p:nvSpPr>
+        <p:spPr>
+          <a:xfrm>
+            <a:off x="6260906" y="873238"/>
+            <a:ext cx="708186" cy="346760"/>
+          </a:xfrm>
+          <a:prstGeom prst="rect">
+            <a:avLst/>
+          </a:prstGeom>
+          <a:ln w="19050">
+            <a:solidFill>
+              <a:srgbClr val="7030A0"/>
+            </a:solidFill>
+          </a:ln>
+          <a:effectLst/>
+        </p:spPr>
+        <p:style>
+          <a:lnRef idx="1">
+            <a:schemeClr val="accent4"/>
+          </a:lnRef>
+          <a:fillRef idx="2">
+            <a:schemeClr val="accent4"/>
+          </a:fillRef>
+          <a:effectRef idx="1">
+            <a:schemeClr val="accent4"/>
+          </a:effectRef>
+          <a:fontRef idx="minor">
+            <a:schemeClr val="dk1"/>
+          </a:fontRef>
+        </p:style>
+        <p:txBody>
+          <a:bodyPr rtlCol="0" anchor="ctr"/>
+          <a:lstStyle/>
+          <a:p>
+            <a:pPr algn="ctr"/>
+            <a:r>
+              <a:rPr lang="en-US" sz="1050" dirty="0" smtClean="0">
+                <a:solidFill>
+                  <a:srgbClr val="7030A0"/>
+                </a:solidFill>
+              </a:rPr>
+              <a:t>Event</a:t>
+            </a:r>
+            <a:endParaRPr lang="en-SG" sz="1050" dirty="0">
+              <a:solidFill>
+                <a:srgbClr val="7030A0"/>
+              </a:solidFill>
+            </a:endParaRPr>
+          </a:p>
+        </p:txBody>
+      </p:sp>
+      <p:sp>
+        <p:nvSpPr>
+          <p:cNvPr id="82" name="Flowchart: Decision 96"/>
+          <p:cNvSpPr/>
+          <p:nvPr/>
+        </p:nvSpPr>
+        <p:spPr>
+          <a:xfrm>
+            <a:off x="5805980" y="956848"/>
+            <a:ext cx="236048" cy="173380"/>
+          </a:xfrm>
+          <a:prstGeom prst="flowChartDecision">
+            <a:avLst/>
+          </a:prstGeom>
+          <a:noFill/>
+          <a:ln w="19050">
+            <a:solidFill>
+              <a:srgbClr val="7030A0"/>
+            </a:solidFill>
+          </a:ln>
+          <a:effectLst/>
+        </p:spPr>
+        <p:style>
+          <a:lnRef idx="1">
+            <a:schemeClr val="accent6"/>
+          </a:lnRef>
+          <a:fillRef idx="2">
+            <a:schemeClr val="accent6"/>
+          </a:fillRef>
+          <a:effectRef idx="1">
+            <a:schemeClr val="accent6"/>
+          </a:effectRef>
+          <a:fontRef idx="minor">
+            <a:schemeClr val="dk1"/>
+          </a:fontRef>
+        </p:style>
+        <p:txBody>
+          <a:bodyPr rtlCol="0" anchor="ctr"/>
+          <a:lstStyle/>
+          <a:p>
+            <a:pPr algn="ctr"/>
+            <a:endParaRPr lang="en-US" sz="1050"/>
+          </a:p>
+        </p:txBody>
+      </p:sp>
+      <p:cxnSp>
+        <p:nvCxnSpPr>
+          <p:cNvPr id="87" name="Elbow Connector 86"/>
+          <p:cNvCxnSpPr/>
+          <p:nvPr/>
+        </p:nvCxnSpPr>
+        <p:spPr>
+          <a:xfrm>
+            <a:off x="6042028" y="1043538"/>
+            <a:ext cx="218878" cy="3080"/>
+          </a:xfrm>
+          <a:prstGeom prst="bentConnector3">
+            <a:avLst/>
+          </a:prstGeom>
+          <a:ln w="19050">
+            <a:solidFill>
+              <a:srgbClr val="7030A0"/>
+            </a:solidFill>
+            <a:headEnd type="none" w="med" len="med"/>
+            <a:tailEnd type="arrow" w="med" len="med"/>
+          </a:ln>
+          <a:effectLst/>
+        </p:spPr>
+        <p:style>
+          <a:lnRef idx="1">
+            <a:schemeClr val="accent2"/>
+          </a:lnRef>
+          <a:fillRef idx="2">
+            <a:schemeClr val="accent2"/>
+          </a:fillRef>
+          <a:effectRef idx="1">
+            <a:schemeClr val="accent2"/>
+          </a:effectRef>
+          <a:fontRef idx="minor">
+            <a:schemeClr val="dk1"/>
+          </a:fontRef>
+        </p:style>
+      </p:cxnSp>
+      <p:sp>
+        <p:nvSpPr>
+          <p:cNvPr id="88" name="Rectangle 8"/>
+          <p:cNvSpPr/>
+          <p:nvPr/>
+        </p:nvSpPr>
+        <p:spPr>
+          <a:xfrm>
+            <a:off x="7659626" y="579410"/>
+            <a:ext cx="708186" cy="285783"/>
+          </a:xfrm>
+          <a:prstGeom prst="rect">
+            <a:avLst/>
+          </a:prstGeom>
+          <a:ln w="19050">
+            <a:solidFill>
+              <a:srgbClr val="7030A0"/>
+            </a:solidFill>
+          </a:ln>
+          <a:effectLst/>
+        </p:spPr>
+        <p:style>
+          <a:lnRef idx="1">
+            <a:schemeClr val="accent4"/>
+          </a:lnRef>
+          <a:fillRef idx="2">
+            <a:schemeClr val="accent4"/>
+          </a:fillRef>
+          <a:effectRef idx="1">
+            <a:schemeClr val="accent4"/>
+          </a:effectRef>
+          <a:fontRef idx="minor">
+            <a:schemeClr val="dk1"/>
+          </a:fontRef>
+        </p:style>
+        <p:txBody>
+          <a:bodyPr rtlCol="0" anchor="ctr"/>
+          <a:lstStyle/>
+          <a:p>
+            <a:pPr algn="ctr"/>
+            <a:r>
+              <a:rPr lang="en-US" sz="1050" dirty="0">
+                <a:solidFill>
+                  <a:srgbClr val="7030A0"/>
+                </a:solidFill>
+              </a:rPr>
+              <a:t>Name</a:t>
+            </a:r>
+            <a:endParaRPr lang="en-SG" sz="1050" dirty="0">
+              <a:solidFill>
+                <a:srgbClr val="7030A0"/>
+              </a:solidFill>
+            </a:endParaRPr>
+          </a:p>
+        </p:txBody>
+      </p:sp>
+      <p:sp>
+        <p:nvSpPr>
+          <p:cNvPr id="89" name="Flowchart: Decision 96"/>
+          <p:cNvSpPr/>
+          <p:nvPr/>
+        </p:nvSpPr>
+        <p:spPr>
+          <a:xfrm>
+            <a:off x="6989176" y="963373"/>
+            <a:ext cx="236048" cy="173380"/>
+          </a:xfrm>
+          <a:prstGeom prst="flowChartDecision">
+            <a:avLst/>
+          </a:prstGeom>
+          <a:solidFill>
+            <a:srgbClr val="7030A0"/>
+          </a:solidFill>
+          <a:ln w="19050">
+            <a:solidFill>
+              <a:srgbClr val="7030A0"/>
+            </a:solidFill>
+          </a:ln>
+          <a:effectLst/>
+        </p:spPr>
+        <p:style>
+          <a:lnRef idx="1">
+            <a:schemeClr val="accent6"/>
+          </a:lnRef>
+          <a:fillRef idx="2">
+            <a:schemeClr val="accent6"/>
+          </a:fillRef>
+          <a:effectRef idx="1">
+            <a:schemeClr val="accent6"/>
+          </a:effectRef>
+          <a:fontRef idx="minor">
+            <a:schemeClr val="dk1"/>
+          </a:fontRef>
+        </p:style>
+        <p:txBody>
+          <a:bodyPr rtlCol="0" anchor="ctr"/>
+          <a:lstStyle/>
+          <a:p>
+            <a:pPr algn="ctr"/>
+            <a:endParaRPr lang="en-US" sz="1050"/>
+          </a:p>
+        </p:txBody>
+      </p:sp>
+      <p:cxnSp>
+        <p:nvCxnSpPr>
+          <p:cNvPr id="90" name="Elbow Connector 89"/>
+          <p:cNvCxnSpPr>
+            <a:cxnSpLocks/>
+          </p:cNvCxnSpPr>
+          <p:nvPr/>
+        </p:nvCxnSpPr>
+        <p:spPr>
+          <a:xfrm flipV="1">
+            <a:off x="7225224" y="721993"/>
+            <a:ext cx="434402" cy="327761"/>
+          </a:xfrm>
+          <a:prstGeom prst="bentConnector3">
+            <a:avLst/>
+          </a:prstGeom>
+          <a:ln w="19050">
+            <a:solidFill>
+              <a:srgbClr val="7030A0"/>
+            </a:solidFill>
+            <a:headEnd type="none" w="med" len="med"/>
+            <a:tailEnd type="arrow" w="med" len="med"/>
+          </a:ln>
+          <a:effectLst/>
+        </p:spPr>
+        <p:style>
+          <a:lnRef idx="1">
+            <a:schemeClr val="accent2"/>
+          </a:lnRef>
+          <a:fillRef idx="2">
+            <a:schemeClr val="accent2"/>
+          </a:fillRef>
+          <a:effectRef idx="1">
+            <a:schemeClr val="accent2"/>
+          </a:effectRef>
+          <a:fontRef idx="minor">
+            <a:schemeClr val="dk1"/>
+          </a:fontRef>
+        </p:style>
+      </p:cxnSp>
+      <p:sp>
+        <p:nvSpPr>
+          <p:cNvPr id="91" name="Rectangle 90"/>
+          <p:cNvSpPr/>
+          <p:nvPr/>
+        </p:nvSpPr>
+        <p:spPr>
+          <a:xfrm>
+            <a:off x="7659626" y="902388"/>
+            <a:ext cx="993974" cy="285783"/>
+          </a:xfrm>
+          <a:prstGeom prst="rect">
+            <a:avLst/>
+          </a:prstGeom>
+          <a:ln w="19050">
+            <a:solidFill>
+              <a:srgbClr val="7030A0"/>
+            </a:solidFill>
+          </a:ln>
+          <a:effectLst/>
+        </p:spPr>
+        <p:style>
+          <a:lnRef idx="1">
+            <a:schemeClr val="accent4"/>
+          </a:lnRef>
+          <a:fillRef idx="2">
+            <a:schemeClr val="accent4"/>
+          </a:fillRef>
+          <a:effectRef idx="1">
+            <a:schemeClr val="accent4"/>
+          </a:effectRef>
+          <a:fontRef idx="minor">
+            <a:schemeClr val="dk1"/>
+          </a:fontRef>
+        </p:style>
+        <p:txBody>
+          <a:bodyPr rtlCol="0" anchor="ctr"/>
+          <a:lstStyle/>
+          <a:p>
+            <a:pPr algn="ctr"/>
+            <a:r>
+              <a:rPr lang="en-US" sz="1050" dirty="0" err="1">
+                <a:solidFill>
+                  <a:srgbClr val="7030A0"/>
+                </a:solidFill>
+              </a:rPr>
+              <a:t>S</a:t>
+            </a:r>
+            <a:r>
+              <a:rPr lang="en-US" sz="1050" dirty="0" err="1" smtClean="0">
+                <a:solidFill>
+                  <a:srgbClr val="7030A0"/>
+                </a:solidFill>
+              </a:rPr>
+              <a:t>tartDateTime</a:t>
+            </a:r>
+            <a:endParaRPr lang="en-SG" sz="1050" dirty="0">
+              <a:solidFill>
+                <a:srgbClr val="7030A0"/>
+              </a:solidFill>
+            </a:endParaRPr>
+          </a:p>
+        </p:txBody>
+      </p:sp>
+      <p:cxnSp>
+        <p:nvCxnSpPr>
+          <p:cNvPr id="92" name="Elbow Connector 91"/>
+          <p:cNvCxnSpPr/>
+          <p:nvPr/>
+        </p:nvCxnSpPr>
+        <p:spPr>
+          <a:xfrm flipV="1">
+            <a:off x="7225224" y="1045280"/>
+            <a:ext cx="434402" cy="4783"/>
+          </a:xfrm>
+          <a:prstGeom prst="bentConnector3">
+            <a:avLst/>
+          </a:prstGeom>
+          <a:ln w="19050">
+            <a:solidFill>
+              <a:srgbClr val="7030A0"/>
+            </a:solidFill>
+            <a:headEnd type="none" w="med" len="med"/>
+            <a:tailEnd type="arrow" w="med" len="med"/>
+          </a:ln>
+          <a:effectLst/>
+        </p:spPr>
+        <p:style>
+          <a:lnRef idx="1">
+            <a:schemeClr val="accent2"/>
+          </a:lnRef>
+          <a:fillRef idx="2">
+            <a:schemeClr val="accent2"/>
+          </a:fillRef>
+          <a:effectRef idx="1">
+            <a:schemeClr val="accent2"/>
+          </a:effectRef>
+          <a:fontRef idx="minor">
+            <a:schemeClr val="dk1"/>
+          </a:fontRef>
+        </p:style>
+      </p:cxnSp>
+      <p:sp>
+        <p:nvSpPr>
+          <p:cNvPr id="93" name="Rectangle 8"/>
+          <p:cNvSpPr/>
+          <p:nvPr/>
+        </p:nvSpPr>
+        <p:spPr>
+          <a:xfrm>
+            <a:off x="7659626" y="1225366"/>
+            <a:ext cx="993974" cy="285783"/>
+          </a:xfrm>
+          <a:prstGeom prst="rect">
+            <a:avLst/>
+          </a:prstGeom>
+          <a:ln w="19050">
+            <a:solidFill>
+              <a:srgbClr val="7030A0"/>
+            </a:solidFill>
+          </a:ln>
+          <a:effectLst/>
+        </p:spPr>
+        <p:style>
+          <a:lnRef idx="1">
+            <a:schemeClr val="accent4"/>
+          </a:lnRef>
+          <a:fillRef idx="2">
+            <a:schemeClr val="accent4"/>
+          </a:fillRef>
+          <a:effectRef idx="1">
+            <a:schemeClr val="accent4"/>
+          </a:effectRef>
+          <a:fontRef idx="minor">
+            <a:schemeClr val="dk1"/>
+          </a:fontRef>
+        </p:style>
+        <p:txBody>
+          <a:bodyPr rtlCol="0" anchor="ctr"/>
+          <a:lstStyle/>
+          <a:p>
+            <a:pPr algn="ctr"/>
+            <a:r>
+              <a:rPr lang="en-SG" sz="1050" dirty="0" err="1" smtClean="0">
+                <a:solidFill>
+                  <a:srgbClr val="7030A0"/>
+                </a:solidFill>
+              </a:rPr>
+              <a:t>EndDateTime</a:t>
+            </a:r>
+            <a:endParaRPr lang="en-SG" sz="1050" dirty="0">
+              <a:solidFill>
+                <a:srgbClr val="7030A0"/>
+              </a:solidFill>
+            </a:endParaRPr>
+          </a:p>
+        </p:txBody>
+      </p:sp>
+      <p:cxnSp>
+        <p:nvCxnSpPr>
+          <p:cNvPr id="94" name="Elbow Connector 93"/>
+          <p:cNvCxnSpPr/>
+          <p:nvPr/>
+        </p:nvCxnSpPr>
+        <p:spPr>
+          <a:xfrm>
+            <a:off x="7225224" y="1050063"/>
+            <a:ext cx="434402" cy="318195"/>
+          </a:xfrm>
+          <a:prstGeom prst="bentConnector3">
+            <a:avLst/>
+          </a:prstGeom>
+          <a:ln w="19050">
+            <a:solidFill>
+              <a:srgbClr val="7030A0"/>
+            </a:solidFill>
+            <a:headEnd type="none" w="med" len="med"/>
+            <a:tailEnd type="arrow" w="med" len="med"/>
+          </a:ln>
+          <a:effectLst/>
+        </p:spPr>
+        <p:style>
+          <a:lnRef idx="1">
+            <a:schemeClr val="accent2"/>
+          </a:lnRef>
+          <a:fillRef idx="2">
+            <a:schemeClr val="accent2"/>
+          </a:fillRef>
+          <a:effectRef idx="1">
+            <a:schemeClr val="accent2"/>
+          </a:effectRef>
+          <a:fontRef idx="minor">
+            <a:schemeClr val="dk1"/>
+          </a:fontRef>
+        </p:style>
+      </p:cxnSp>
+      <p:sp>
+        <p:nvSpPr>
+          <p:cNvPr id="95" name="Rectangle 8"/>
+          <p:cNvSpPr/>
+          <p:nvPr/>
+        </p:nvSpPr>
+        <p:spPr>
+          <a:xfrm>
+            <a:off x="7659625" y="1548343"/>
+            <a:ext cx="823703" cy="285783"/>
+          </a:xfrm>
+          <a:prstGeom prst="rect">
+            <a:avLst/>
+          </a:prstGeom>
+          <a:ln w="19050">
+            <a:solidFill>
+              <a:srgbClr val="7030A0"/>
+            </a:solidFill>
+          </a:ln>
+          <a:effectLst/>
+        </p:spPr>
+        <p:style>
+          <a:lnRef idx="1">
+            <a:schemeClr val="accent4"/>
+          </a:lnRef>
+          <a:fillRef idx="2">
+            <a:schemeClr val="accent4"/>
+          </a:fillRef>
+          <a:effectRef idx="1">
+            <a:schemeClr val="accent4"/>
+          </a:effectRef>
+          <a:fontRef idx="minor">
+            <a:schemeClr val="dk1"/>
+          </a:fontRef>
+        </p:style>
+        <p:txBody>
+          <a:bodyPr rtlCol="0" anchor="ctr"/>
+          <a:lstStyle/>
+          <a:p>
+            <a:pPr algn="ctr"/>
+            <a:r>
+              <a:rPr lang="en-SG" sz="1050" smtClean="0">
+                <a:solidFill>
+                  <a:srgbClr val="7030A0"/>
+                </a:solidFill>
+              </a:rPr>
+              <a:t>Description</a:t>
+            </a:r>
+            <a:endParaRPr lang="en-SG" sz="1050" dirty="0">
+              <a:solidFill>
+                <a:srgbClr val="7030A0"/>
+              </a:solidFill>
+            </a:endParaRPr>
+          </a:p>
+        </p:txBody>
+      </p:sp>
+      <p:cxnSp>
+        <p:nvCxnSpPr>
+          <p:cNvPr id="96" name="Elbow Connector 95"/>
+          <p:cNvCxnSpPr/>
+          <p:nvPr/>
+        </p:nvCxnSpPr>
+        <p:spPr>
+          <a:xfrm>
+            <a:off x="7225224" y="1050063"/>
+            <a:ext cx="434402" cy="641172"/>
+          </a:xfrm>
+          <a:prstGeom prst="bentConnector3">
+            <a:avLst/>
+          </a:prstGeom>
+          <a:ln w="19050">
+            <a:solidFill>
+              <a:srgbClr val="7030A0"/>
+            </a:solidFill>
+            <a:headEnd type="none" w="med" len="med"/>
+            <a:tailEnd type="arrow" w="med" len="med"/>
+          </a:ln>
+          <a:effectLst/>
+        </p:spPr>
+        <p:style>
+          <a:lnRef idx="1">
+            <a:schemeClr val="accent2"/>
+          </a:lnRef>
+          <a:fillRef idx="2">
+            <a:schemeClr val="accent2"/>
+          </a:fillRef>
+          <a:effectRef idx="1">
+            <a:schemeClr val="accent2"/>
+          </a:effectRef>
+          <a:fontRef idx="minor">
+            <a:schemeClr val="dk1"/>
+          </a:fontRef>
+        </p:style>
+      </p:cxnSp>
+      <p:sp>
+        <p:nvSpPr>
+          <p:cNvPr id="98" name="TextBox 97"/>
+          <p:cNvSpPr txBox="1"/>
+          <p:nvPr/>
+        </p:nvSpPr>
+        <p:spPr>
+          <a:xfrm>
+            <a:off x="4115626" y="2629047"/>
+            <a:ext cx="189257" cy="178683"/>
+          </a:xfrm>
+          <a:prstGeom prst="rect">
+            <a:avLst/>
+          </a:prstGeom>
+          <a:noFill/>
+        </p:spPr>
+        <p:txBody>
+          <a:bodyPr wrap="square" lIns="0" tIns="0" rIns="0" bIns="0" rtlCol="0">
+            <a:noAutofit/>
+          </a:bodyPr>
+          <a:lstStyle/>
+          <a:p>
+            <a:pPr algn="ctr"/>
+            <a:r>
+              <a:rPr lang="en-US" sz="1100" dirty="0">
+                <a:solidFill>
+                  <a:srgbClr val="7030A0"/>
+                </a:solidFill>
+              </a:rPr>
+              <a:t>1</a:t>
+            </a:r>
+            <a:endParaRPr lang="en-SG" sz="1100" dirty="0">
+              <a:solidFill>
+                <a:srgbClr val="7030A0"/>
+              </a:solidFill>
+            </a:endParaRPr>
+          </a:p>
+        </p:txBody>
+      </p:sp>
+      <p:sp>
+        <p:nvSpPr>
+          <p:cNvPr id="101" name="TextBox 100"/>
+          <p:cNvSpPr txBox="1"/>
+          <p:nvPr/>
+        </p:nvSpPr>
+        <p:spPr>
+          <a:xfrm>
+            <a:off x="6082485" y="1113089"/>
+            <a:ext cx="189257" cy="178683"/>
+          </a:xfrm>
+          <a:prstGeom prst="rect">
+            <a:avLst/>
+          </a:prstGeom>
+          <a:noFill/>
+        </p:spPr>
+        <p:txBody>
+          <a:bodyPr wrap="square" lIns="0" tIns="0" rIns="0" bIns="0" rtlCol="0">
+            <a:noAutofit/>
+          </a:bodyPr>
+          <a:lstStyle/>
+          <a:p>
+            <a:pPr algn="ctr"/>
+            <a:r>
+              <a:rPr lang="en-US" sz="1100" dirty="0">
+                <a:solidFill>
+                  <a:srgbClr val="7030A0"/>
+                </a:solidFill>
+              </a:rPr>
+              <a:t>*</a:t>
+            </a:r>
+            <a:endParaRPr lang="en-SG" sz="1100" dirty="0">
+              <a:solidFill>
+                <a:srgbClr val="7030A0"/>
+              </a:solidFill>
+            </a:endParaRPr>
+          </a:p>
+        </p:txBody>
+      </p:sp>
+      <p:sp>
+        <p:nvSpPr>
+          <p:cNvPr id="102" name="TextBox 101"/>
+          <p:cNvSpPr txBox="1"/>
+          <p:nvPr/>
+        </p:nvSpPr>
+        <p:spPr>
+          <a:xfrm>
+            <a:off x="6397125" y="1219998"/>
+            <a:ext cx="189257" cy="178683"/>
+          </a:xfrm>
+          <a:prstGeom prst="rect">
+            <a:avLst/>
+          </a:prstGeom>
+          <a:noFill/>
+        </p:spPr>
+        <p:txBody>
+          <a:bodyPr wrap="square" lIns="0" tIns="0" rIns="0" bIns="0" rtlCol="0">
+            <a:noAutofit/>
+          </a:bodyPr>
+          <a:lstStyle/>
+          <a:p>
+            <a:pPr algn="ctr"/>
+            <a:r>
+              <a:rPr lang="en-US" sz="1100" dirty="0">
+                <a:solidFill>
+                  <a:srgbClr val="7030A0"/>
+                </a:solidFill>
+              </a:rPr>
+              <a:t>1</a:t>
+            </a:r>
+            <a:endParaRPr lang="en-SG" sz="1100" dirty="0">
+              <a:solidFill>
+                <a:srgbClr val="7030A0"/>
+              </a:solidFill>
+            </a:endParaRPr>
+          </a:p>
+        </p:txBody>
+      </p:sp>
+      <p:sp>
+        <p:nvSpPr>
+          <p:cNvPr id="103" name="Rectangle 8">
+            <a:extLst>
+              <a:ext uri="{FF2B5EF4-FFF2-40B4-BE49-F238E27FC236}">
+                <a16:creationId xmlns:a16="http://schemas.microsoft.com/office/drawing/2014/main" xmlns="" id="{ABDCDBD2-131A-4B66-A2F2-43BBEE82C773}"/>
+              </a:ext>
+            </a:extLst>
+          </p:cNvPr>
+          <p:cNvSpPr/>
+          <p:nvPr/>
+        </p:nvSpPr>
+        <p:spPr>
+          <a:xfrm>
+            <a:off x="7659626" y="243989"/>
+            <a:ext cx="708186" cy="285783"/>
+          </a:xfrm>
+          <a:prstGeom prst="rect">
+            <a:avLst/>
+          </a:prstGeom>
+          <a:ln w="19050">
+            <a:solidFill>
+              <a:srgbClr val="7030A0"/>
+            </a:solidFill>
+          </a:ln>
+          <a:effectLst/>
+        </p:spPr>
+        <p:style>
+          <a:lnRef idx="1">
+            <a:schemeClr val="accent4"/>
+          </a:lnRef>
+          <a:fillRef idx="2">
+            <a:schemeClr val="accent4"/>
+          </a:fillRef>
+          <a:effectRef idx="1">
+            <a:schemeClr val="accent4"/>
+          </a:effectRef>
+          <a:fontRef idx="minor">
+            <a:schemeClr val="dk1"/>
+          </a:fontRef>
+        </p:style>
+        <p:txBody>
+          <a:bodyPr rtlCol="0" anchor="ctr"/>
+          <a:lstStyle/>
+          <a:p>
+            <a:pPr algn="ctr"/>
+            <a:r>
+              <a:rPr lang="en-US" sz="1050" dirty="0" smtClean="0">
+                <a:solidFill>
+                  <a:srgbClr val="7030A0"/>
+                </a:solidFill>
+              </a:rPr>
+              <a:t>Venue</a:t>
+            </a:r>
+            <a:endParaRPr lang="en-SG" sz="1050" dirty="0">
+              <a:solidFill>
+                <a:srgbClr val="7030A0"/>
+              </a:solidFill>
+            </a:endParaRPr>
+          </a:p>
+        </p:txBody>
+      </p:sp>
+      <p:cxnSp>
+        <p:nvCxnSpPr>
+          <p:cNvPr id="104" name="Elbow Connector 78">
+            <a:extLst>
+              <a:ext uri="{FF2B5EF4-FFF2-40B4-BE49-F238E27FC236}">
+                <a16:creationId xmlns:a16="http://schemas.microsoft.com/office/drawing/2014/main" xmlns="" id="{B97967F8-618A-448B-81FD-CDFD4AF0EC64}"/>
+              </a:ext>
+            </a:extLst>
+          </p:cNvPr>
+          <p:cNvCxnSpPr>
+            <a:cxnSpLocks/>
+          </p:cNvCxnSpPr>
+          <p:nvPr/>
+        </p:nvCxnSpPr>
+        <p:spPr>
+          <a:xfrm flipV="1">
+            <a:off x="7225224" y="386881"/>
+            <a:ext cx="434402" cy="663182"/>
+          </a:xfrm>
+          <a:prstGeom prst="bentConnector3">
+            <a:avLst>
+              <a:gd name="adj1" fmla="val 50000"/>
+            </a:avLst>
+          </a:prstGeom>
+          <a:ln w="19050">
+            <a:solidFill>
+              <a:srgbClr val="7030A0"/>
+            </a:solidFill>
+            <a:headEnd type="none" w="med" len="med"/>
+            <a:tailEnd type="arrow" w="med" len="med"/>
+          </a:ln>
+          <a:effectLst/>
+        </p:spPr>
+        <p:style>
+          <a:lnRef idx="1">
+            <a:schemeClr val="accent2"/>
+          </a:lnRef>
+          <a:fillRef idx="2">
+            <a:schemeClr val="accent2"/>
+          </a:fillRef>
+          <a:effectRef idx="1">
+            <a:schemeClr val="accent2"/>
+          </a:effectRef>
+          <a:fontRef idx="minor">
+            <a:schemeClr val="dk1"/>
+          </a:fontRef>
+        </p:style>
+      </p:cxnSp>
+      <p:sp>
+        <p:nvSpPr>
+          <p:cNvPr id="105" name="TextBox 104">
+            <a:extLst>
+              <a:ext uri="{FF2B5EF4-FFF2-40B4-BE49-F238E27FC236}">
+                <a16:creationId xmlns:a16="http://schemas.microsoft.com/office/drawing/2014/main" xmlns="" id="{B3FA9D57-880F-49C4-AD0B-A64E30D6F403}"/>
+              </a:ext>
+            </a:extLst>
+          </p:cNvPr>
+          <p:cNvSpPr txBox="1"/>
+          <p:nvPr/>
+        </p:nvSpPr>
+        <p:spPr>
+          <a:xfrm>
+            <a:off x="7413472" y="270883"/>
+            <a:ext cx="189257" cy="178683"/>
+          </a:xfrm>
+          <a:prstGeom prst="rect">
+            <a:avLst/>
+          </a:prstGeom>
+          <a:noFill/>
+        </p:spPr>
+        <p:txBody>
+          <a:bodyPr wrap="square" lIns="0" tIns="0" rIns="0" bIns="0" rtlCol="0">
+            <a:noAutofit/>
+          </a:bodyPr>
+          <a:lstStyle/>
+          <a:p>
+            <a:pPr algn="ctr"/>
+            <a:r>
+              <a:rPr lang="en-US" sz="1100" dirty="0">
+                <a:solidFill>
+                  <a:srgbClr val="7030A0"/>
+                </a:solidFill>
+              </a:rPr>
+              <a:t>*</a:t>
+            </a:r>
+            <a:endParaRPr lang="en-SG" sz="1100" dirty="0">
+              <a:solidFill>
+                <a:srgbClr val="7030A0"/>
+              </a:solidFill>
+            </a:endParaRPr>
+          </a:p>
+        </p:txBody>
+      </p:sp>
+      <p:cxnSp>
+        <p:nvCxnSpPr>
+          <p:cNvPr id="106" name="Elbow Connector 105">
+            <a:extLst>
+              <a:ext uri="{FF2B5EF4-FFF2-40B4-BE49-F238E27FC236}">
+                <a16:creationId xmlns:a16="http://schemas.microsoft.com/office/drawing/2014/main" xmlns="" id="{94A6A529-05B3-6545-852B-4B49756DCFC9}"/>
+              </a:ext>
+            </a:extLst>
+          </p:cNvPr>
+          <p:cNvCxnSpPr>
+            <a:cxnSpLocks/>
+          </p:cNvCxnSpPr>
+          <p:nvPr/>
+        </p:nvCxnSpPr>
+        <p:spPr>
+          <a:xfrm>
+            <a:off x="7438702" y="1694195"/>
+            <a:ext cx="232075" cy="347472"/>
+          </a:xfrm>
+          <a:prstGeom prst="bentConnector3">
+            <a:avLst>
+              <a:gd name="adj1" fmla="val 1850"/>
+            </a:avLst>
+          </a:prstGeom>
+          <a:ln w="19050">
+            <a:solidFill>
+              <a:srgbClr val="7030A0"/>
+            </a:solidFill>
+            <a:headEnd type="none" w="med" len="med"/>
+            <a:tailEnd type="arrow" w="med" len="med"/>
+          </a:ln>
+          <a:effectLst/>
+        </p:spPr>
+        <p:style>
+          <a:lnRef idx="1">
+            <a:schemeClr val="accent2"/>
+          </a:lnRef>
+          <a:fillRef idx="2">
+            <a:schemeClr val="accent2"/>
+          </a:fillRef>
+          <a:effectRef idx="1">
+            <a:schemeClr val="accent2"/>
+          </a:effectRef>
+          <a:fontRef idx="minor">
+            <a:schemeClr val="dk1"/>
+          </a:fontRef>
+        </p:style>
+      </p:cxnSp>
+      <p:sp>
+        <p:nvSpPr>
+          <p:cNvPr id="108" name="Rectangle 8">
+            <a:extLst>
+              <a:ext uri="{FF2B5EF4-FFF2-40B4-BE49-F238E27FC236}">
+                <a16:creationId xmlns:a16="http://schemas.microsoft.com/office/drawing/2014/main" xmlns="" id="{03FF09EC-386B-1647-890F-3A7E1DE0D088}"/>
+              </a:ext>
+            </a:extLst>
+          </p:cNvPr>
+          <p:cNvSpPr/>
+          <p:nvPr/>
+        </p:nvSpPr>
+        <p:spPr>
+          <a:xfrm>
+            <a:off x="7676457" y="1894408"/>
+            <a:ext cx="708186" cy="285783"/>
+          </a:xfrm>
+          <a:prstGeom prst="rect">
+            <a:avLst/>
+          </a:prstGeom>
+          <a:ln w="19050">
+            <a:solidFill>
+              <a:srgbClr val="7030A0"/>
+            </a:solidFill>
+          </a:ln>
+          <a:effectLst/>
+        </p:spPr>
+        <p:style>
+          <a:lnRef idx="1">
+            <a:schemeClr val="accent4"/>
+          </a:lnRef>
+          <a:fillRef idx="2">
+            <a:schemeClr val="accent4"/>
+          </a:fillRef>
+          <a:effectRef idx="1">
+            <a:schemeClr val="accent4"/>
+          </a:effectRef>
+          <a:fontRef idx="minor">
+            <a:schemeClr val="dk1"/>
+          </a:fontRef>
+        </p:style>
+        <p:txBody>
+          <a:bodyPr rtlCol="0" anchor="ctr"/>
+          <a:lstStyle/>
+          <a:p>
+            <a:pPr algn="ctr"/>
+            <a:r>
+              <a:rPr lang="en-SG" sz="1050" dirty="0" smtClean="0">
+                <a:solidFill>
+                  <a:srgbClr val="7030A0"/>
+                </a:solidFill>
+              </a:rPr>
+              <a:t>Label</a:t>
+            </a:r>
+            <a:endParaRPr lang="en-SG" sz="1050" dirty="0">
+              <a:solidFill>
+                <a:srgbClr val="7030A0"/>
+              </a:solidFill>
+            </a:endParaRPr>
+          </a:p>
+        </p:txBody>
+      </p:sp>
+      <p:cxnSp>
+        <p:nvCxnSpPr>
+          <p:cNvPr id="110" name="Elbow Connector 109"/>
+          <p:cNvCxnSpPr>
+            <a:cxnSpLocks/>
+            <a:endCxn id="74" idx="2"/>
+          </p:cNvCxnSpPr>
+          <p:nvPr/>
+        </p:nvCxnSpPr>
+        <p:spPr>
+          <a:xfrm rot="5400000" flipH="1" flipV="1">
+            <a:off x="3813080" y="1412408"/>
+            <a:ext cx="1609598" cy="1200970"/>
+          </a:xfrm>
+          <a:prstGeom prst="bentConnector3">
+            <a:avLst>
+              <a:gd name="adj1" fmla="val 15814"/>
+            </a:avLst>
+          </a:prstGeom>
+          <a:ln w="19050">
+            <a:solidFill>
+              <a:srgbClr val="7030A0"/>
+            </a:solidFill>
+            <a:prstDash val="solid"/>
+            <a:headEnd type="none" w="med" len="med"/>
+            <a:tailEnd type="arrow" w="med" len="med"/>
+          </a:ln>
+          <a:effectLst/>
+        </p:spPr>
+        <p:style>
+          <a:lnRef idx="1">
+            <a:schemeClr val="accent2"/>
+          </a:lnRef>
+          <a:fillRef idx="2">
+            <a:schemeClr val="accent2"/>
+          </a:fillRef>
+          <a:effectRef idx="1">
+            <a:schemeClr val="accent2"/>
+          </a:effectRef>
+          <a:fontRef idx="minor">
+            <a:schemeClr val="dk1"/>
+          </a:fontRef>
+        </p:style>
+      </p:cxnSp>
+      <p:sp>
+        <p:nvSpPr>
+          <p:cNvPr id="111" name="Flowchart: Decision 96"/>
+          <p:cNvSpPr/>
+          <p:nvPr/>
+        </p:nvSpPr>
+        <p:spPr>
+          <a:xfrm>
+            <a:off x="3894590" y="2655620"/>
+            <a:ext cx="233482" cy="202446"/>
+          </a:xfrm>
+          <a:prstGeom prst="flowChartDecision">
+            <a:avLst/>
+          </a:prstGeom>
+          <a:solidFill>
+            <a:srgbClr val="7030A0"/>
+          </a:solidFill>
+          <a:ln w="19050">
+            <a:solidFill>
+              <a:srgbClr val="7030A0"/>
+            </a:solidFill>
+          </a:ln>
+          <a:effectLst/>
+        </p:spPr>
+        <p:style>
+          <a:lnRef idx="1">
+            <a:schemeClr val="accent6"/>
+          </a:lnRef>
+          <a:fillRef idx="2">
+            <a:schemeClr val="accent6"/>
+          </a:fillRef>
+          <a:effectRef idx="1">
+            <a:schemeClr val="accent6"/>
+          </a:effectRef>
+          <a:fontRef idx="minor">
+            <a:schemeClr val="dk1"/>
+          </a:fontRef>
+        </p:style>
+        <p:txBody>
+          <a:bodyPr rtlCol="0" anchor="ctr"/>
+          <a:lstStyle/>
+          <a:p>
+            <a:pPr algn="ctr"/>
+            <a:endParaRPr lang="en-US" sz="1050"/>
+          </a:p>
+        </p:txBody>
+      </p:sp>
+      <p:cxnSp>
+        <p:nvCxnSpPr>
+          <p:cNvPr id="112" name="Elbow Connector 111"/>
+          <p:cNvCxnSpPr>
+            <a:cxnSpLocks/>
+            <a:stCxn id="9" idx="3"/>
+            <a:endCxn id="77" idx="2"/>
+          </p:cNvCxnSpPr>
+          <p:nvPr/>
+        </p:nvCxnSpPr>
+        <p:spPr>
+          <a:xfrm rot="5400000" flipH="1" flipV="1">
+            <a:off x="3659525" y="-231160"/>
+            <a:ext cx="1504315" cy="4406633"/>
+          </a:xfrm>
+          <a:prstGeom prst="bentConnector3">
+            <a:avLst>
+              <a:gd name="adj1" fmla="val 73669"/>
+            </a:avLst>
+          </a:prstGeom>
+          <a:ln w="19050">
+            <a:solidFill>
+              <a:srgbClr val="7030A0"/>
+            </a:solidFill>
+            <a:prstDash val="solid"/>
+            <a:headEnd type="none" w="med" len="med"/>
+            <a:tailEnd type="arrow" w="med" len="med"/>
+          </a:ln>
+          <a:effectLst/>
+        </p:spPr>
+        <p:style>
+          <a:lnRef idx="1">
+            <a:schemeClr val="accent2"/>
+          </a:lnRef>
+          <a:fillRef idx="2">
+            <a:schemeClr val="accent2"/>
+          </a:fillRef>
+          <a:effectRef idx="1">
+            <a:schemeClr val="accent2"/>
+          </a:effectRef>
+          <a:fontRef idx="minor">
+            <a:schemeClr val="dk1"/>
+          </a:fontRef>
+        </p:style>
+      </p:cxnSp>
+      <p:sp>
+        <p:nvSpPr>
+          <p:cNvPr id="113" name="TextBox 112"/>
+          <p:cNvSpPr txBox="1"/>
+          <p:nvPr/>
+        </p:nvSpPr>
+        <p:spPr>
+          <a:xfrm rot="16200000">
+            <a:off x="6279451" y="1461159"/>
+            <a:ext cx="881018" cy="261610"/>
+          </a:xfrm>
+          <a:prstGeom prst="rect">
+            <a:avLst/>
+          </a:prstGeom>
+          <a:noFill/>
+        </p:spPr>
+        <p:txBody>
+          <a:bodyPr wrap="square" rtlCol="0">
+            <a:spAutoFit/>
+          </a:bodyPr>
+          <a:lstStyle/>
+          <a:p>
+            <a:pPr algn="r"/>
+            <a:r>
+              <a:rPr lang="en-US" sz="1100" dirty="0">
+                <a:solidFill>
+                  <a:srgbClr val="7030A0"/>
+                </a:solidFill>
+              </a:rPr>
+              <a:t>filtered list</a:t>
+            </a:r>
+            <a:endParaRPr lang="en-SG" sz="1100" dirty="0">
+              <a:solidFill>
+                <a:srgbClr val="7030A0"/>
+              </a:solidFill>
+            </a:endParaRPr>
           </a:p>
         </p:txBody>
       </p:sp>
